--- a/Identifying Covid-19 patients from Chest X-Rays.pptx
+++ b/Identifying Covid-19 patients from Chest X-Rays.pptx
@@ -5,7 +5,7 @@
     <p:sldMasterId id="2147483648" r:id="rId1"/>
   </p:sldMasterIdLst>
   <p:notesMasterIdLst>
-    <p:notesMasterId r:id="rId23"/>
+    <p:notesMasterId r:id="rId25"/>
   </p:notesMasterIdLst>
   <p:sldIdLst>
     <p:sldId id="256" r:id="rId2"/>
@@ -23,12 +23,14 @@
     <p:sldId id="269" r:id="rId14"/>
     <p:sldId id="275" r:id="rId15"/>
     <p:sldId id="272" r:id="rId16"/>
-    <p:sldId id="261" r:id="rId17"/>
-    <p:sldId id="270" r:id="rId18"/>
-    <p:sldId id="271" r:id="rId19"/>
-    <p:sldId id="273" r:id="rId20"/>
-    <p:sldId id="274" r:id="rId21"/>
-    <p:sldId id="276" r:id="rId22"/>
+    <p:sldId id="277" r:id="rId17"/>
+    <p:sldId id="261" r:id="rId18"/>
+    <p:sldId id="270" r:id="rId19"/>
+    <p:sldId id="271" r:id="rId20"/>
+    <p:sldId id="273" r:id="rId21"/>
+    <p:sldId id="279" r:id="rId22"/>
+    <p:sldId id="280" r:id="rId23"/>
+    <p:sldId id="276" r:id="rId24"/>
   </p:sldIdLst>
   <p:sldSz cx="12192000" cy="6858000"/>
   <p:notesSz cx="6858000" cy="9144000"/>
@@ -6166,7 +6168,7 @@
           <a:p>
             <a:fld id="{027FBAD7-3B6B-4076-AB20-874DA6FB7435}" type="datetimeFigureOut">
               <a:rPr lang="en-SG" smtClean="0"/>
-              <a:t>25 Nov 2020</a:t>
+              <a:t>27 Nov 2020</a:t>
             </a:fld>
             <a:endParaRPr lang="en-SG"/>
           </a:p>
@@ -6768,7 +6770,7 @@
           <a:p>
             <a:fld id="{48A87A34-81AB-432B-8DAE-1953F412C126}" type="datetimeFigureOut">
               <a:rPr lang="en-US" dirty="0"/>
-              <a:t>11/25/2020</a:t>
+              <a:t>11/27/2020</a:t>
             </a:fld>
             <a:endParaRPr lang="en-US" dirty="0"/>
           </a:p>
@@ -6974,7 +6976,7 @@
           <a:p>
             <a:fld id="{48A87A34-81AB-432B-8DAE-1953F412C126}" type="datetimeFigureOut">
               <a:rPr lang="en-US" dirty="0"/>
-              <a:t>11/25/2020</a:t>
+              <a:t>11/27/2020</a:t>
             </a:fld>
             <a:endParaRPr lang="en-US" dirty="0"/>
           </a:p>
@@ -7184,7 +7186,7 @@
           <a:p>
             <a:fld id="{48A87A34-81AB-432B-8DAE-1953F412C126}" type="datetimeFigureOut">
               <a:rPr lang="en-US" dirty="0"/>
-              <a:t>11/25/2020</a:t>
+              <a:t>11/27/2020</a:t>
             </a:fld>
             <a:endParaRPr lang="en-US" dirty="0"/>
           </a:p>
@@ -7380,7 +7382,7 @@
           <a:p>
             <a:fld id="{48A87A34-81AB-432B-8DAE-1953F412C126}" type="datetimeFigureOut">
               <a:rPr lang="en-US" dirty="0"/>
-              <a:t>11/25/2020</a:t>
+              <a:t>11/27/2020</a:t>
             </a:fld>
             <a:endParaRPr lang="en-US" dirty="0"/>
           </a:p>
@@ -7654,7 +7656,7 @@
           <a:p>
             <a:fld id="{48A87A34-81AB-432B-8DAE-1953F412C126}" type="datetimeFigureOut">
               <a:rPr lang="en-US" dirty="0"/>
-              <a:t>11/25/2020</a:t>
+              <a:t>11/27/2020</a:t>
             </a:fld>
             <a:endParaRPr lang="en-US" dirty="0"/>
           </a:p>
@@ -7917,7 +7919,7 @@
           <a:p>
             <a:fld id="{48A87A34-81AB-432B-8DAE-1953F412C126}" type="datetimeFigureOut">
               <a:rPr lang="en-US" dirty="0"/>
-              <a:t>11/25/2020</a:t>
+              <a:t>11/27/2020</a:t>
             </a:fld>
             <a:endParaRPr lang="en-US" dirty="0"/>
           </a:p>
@@ -8328,7 +8330,7 @@
           <a:p>
             <a:fld id="{48A87A34-81AB-432B-8DAE-1953F412C126}" type="datetimeFigureOut">
               <a:rPr lang="en-US" dirty="0"/>
-              <a:t>11/25/2020</a:t>
+              <a:t>11/27/2020</a:t>
             </a:fld>
             <a:endParaRPr lang="en-US" dirty="0"/>
           </a:p>
@@ -8472,7 +8474,7 @@
           <a:p>
             <a:fld id="{48A87A34-81AB-432B-8DAE-1953F412C126}" type="datetimeFigureOut">
               <a:rPr lang="en-US" dirty="0"/>
-              <a:t>11/25/2020</a:t>
+              <a:t>11/27/2020</a:t>
             </a:fld>
             <a:endParaRPr lang="en-US" dirty="0"/>
           </a:p>
@@ -8593,7 +8595,7 @@
           <a:p>
             <a:fld id="{48A87A34-81AB-432B-8DAE-1953F412C126}" type="datetimeFigureOut">
               <a:rPr lang="en-US" dirty="0"/>
-              <a:t>11/25/2020</a:t>
+              <a:t>11/27/2020</a:t>
             </a:fld>
             <a:endParaRPr lang="en-US" dirty="0"/>
           </a:p>
@@ -8839,7 +8841,7 @@
           <a:p>
             <a:fld id="{48A87A34-81AB-432B-8DAE-1953F412C126}" type="datetimeFigureOut">
               <a:rPr lang="en-US" dirty="0"/>
-              <a:t>11/25/2020</a:t>
+              <a:t>11/27/2020</a:t>
             </a:fld>
             <a:endParaRPr lang="en-US" dirty="0"/>
           </a:p>
@@ -9280,7 +9282,7 @@
             <a:fld id="{48A87A34-81AB-432B-8DAE-1953F412C126}" type="datetimeFigureOut">
               <a:rPr lang="en-US" dirty="0"/>
               <a:pPr/>
-              <a:t>11/25/2020</a:t>
+              <a:t>11/27/2020</a:t>
             </a:fld>
             <a:endParaRPr lang="en-US" dirty="0"/>
           </a:p>
@@ -9603,7 +9605,7 @@
             <a:fld id="{48A87A34-81AB-432B-8DAE-1953F412C126}" type="datetimeFigureOut">
               <a:rPr lang="en-US" dirty="0"/>
               <a:pPr/>
-              <a:t>11/25/2020</a:t>
+              <a:t>11/27/2020</a:t>
             </a:fld>
             <a:endParaRPr lang="en-US" dirty="0"/>
           </a:p>
@@ -11241,7 +11243,7 @@
           <a:p>
             <a:r>
               <a:rPr lang="en-SG" cap="none" dirty="0"/>
-              <a:t>Model parameters:</a:t>
+              <a:t>Model parameter choices:</a:t>
             </a:r>
           </a:p>
         </p:txBody>
@@ -11607,6 +11609,13 @@
               <a:t>Base learning rate for Adam optimizer</a:t>
             </a:r>
           </a:p>
+          <a:p>
+            <a:pPr lvl="1"/>
+            <a:r>
+              <a:rPr lang="en-SG" dirty="0"/>
+              <a:t>Number of units in Dense layer</a:t>
+            </a:r>
+          </a:p>
         </p:txBody>
       </p:sp>
     </p:spTree>
@@ -11625,6 +11634,30 @@
 <file path=ppt/slides/slide15.xml><?xml version="1.0" encoding="utf-8"?>
 <p:sld xmlns:a="http://schemas.openxmlformats.org/drawingml/2006/main" xmlns:r="http://schemas.openxmlformats.org/officeDocument/2006/relationships" xmlns:p="http://schemas.openxmlformats.org/presentationml/2006/main">
   <p:cSld>
+    <p:bg>
+      <p:bgPr>
+        <a:gradFill rotWithShape="1">
+          <a:gsLst>
+            <a:gs pos="0">
+              <a:schemeClr val="bg2">
+                <a:tint val="94000"/>
+                <a:satMod val="80000"/>
+                <a:lumMod val="106000"/>
+              </a:schemeClr>
+            </a:gs>
+            <a:gs pos="100000">
+              <a:schemeClr val="bg2">
+                <a:shade val="80000"/>
+              </a:schemeClr>
+            </a:gs>
+          </a:gsLst>
+          <a:path path="circle">
+            <a:fillToRect l="43000" r="43000" b="100000"/>
+          </a:path>
+        </a:gradFill>
+        <a:effectLst/>
+      </p:bgPr>
+    </p:bg>
     <p:spTree>
       <p:nvGrpSpPr>
         <p:cNvPr id="1" name=""/>
@@ -11641,6 +11674,352 @@
       </p:grpSpPr>
       <p:sp>
         <p:nvSpPr>
+          <p:cNvPr id="199" name="Rectangle 198">
+            <a:extLst>
+              <a:ext uri="{FF2B5EF4-FFF2-40B4-BE49-F238E27FC236}">
+                <a16:creationId xmlns:a16="http://schemas.microsoft.com/office/drawing/2014/main" id="{905CFAD9-EABE-4F83-B098-604752164E6A}"/>
+              </a:ext>
+              <a:ext uri="{C183D7F6-B498-43B3-948B-1728B52AA6E4}">
+                <adec:decorative xmlns:adec="http://schemas.microsoft.com/office/drawing/2017/decorative" val="1"/>
+              </a:ext>
+            </a:extLst>
+          </p:cNvPr>
+          <p:cNvSpPr>
+            <a:spLocks noGrp="1" noRot="1" noChangeAspect="1" noMove="1" noResize="1" noEditPoints="1" noAdjustHandles="1" noChangeArrowheads="1" noChangeShapeType="1" noTextEdit="1"/>
+          </p:cNvSpPr>
+          <p:nvPr>
+            <p:extLst>
+              <p:ext uri="{386F3935-93C4-4BCD-93E2-E3B085C9AB24}">
+                <p16:designElem xmlns:p16="http://schemas.microsoft.com/office/powerpoint/2015/main" val="1"/>
+              </p:ext>
+            </p:extLst>
+          </p:nvPr>
+        </p:nvSpPr>
+        <p:spPr>
+          <a:xfrm>
+            <a:off x="0" y="2019476"/>
+            <a:ext cx="12192000" cy="4105941"/>
+          </a:xfrm>
+          <a:prstGeom prst="rect">
+            <a:avLst/>
+          </a:prstGeom>
+          <a:gradFill flip="none" rotWithShape="1">
+            <a:gsLst>
+              <a:gs pos="0">
+                <a:schemeClr val="bg2">
+                  <a:alpha val="0"/>
+                </a:schemeClr>
+              </a:gs>
+              <a:gs pos="100000">
+                <a:schemeClr val="bg2"/>
+              </a:gs>
+            </a:gsLst>
+            <a:lin ang="5400000" scaled="0"/>
+            <a:tileRect/>
+          </a:gradFill>
+          <a:ln>
+            <a:noFill/>
+          </a:ln>
+        </p:spPr>
+        <p:style>
+          <a:lnRef idx="2">
+            <a:schemeClr val="accent1">
+              <a:shade val="50000"/>
+            </a:schemeClr>
+          </a:lnRef>
+          <a:fillRef idx="1">
+            <a:schemeClr val="accent1"/>
+          </a:fillRef>
+          <a:effectRef idx="0">
+            <a:schemeClr val="accent1"/>
+          </a:effectRef>
+          <a:fontRef idx="minor">
+            <a:schemeClr val="lt1"/>
+          </a:fontRef>
+        </p:style>
+      </p:sp>
+      <p:pic>
+        <p:nvPicPr>
+          <p:cNvPr id="201" name="Picture 200">
+            <a:extLst>
+              <a:ext uri="{FF2B5EF4-FFF2-40B4-BE49-F238E27FC236}">
+                <a16:creationId xmlns:a16="http://schemas.microsoft.com/office/drawing/2014/main" id="{C99610E4-6194-4817-B152-498995E77181}"/>
+              </a:ext>
+              <a:ext uri="{C183D7F6-B498-43B3-948B-1728B52AA6E4}">
+                <adec:decorative xmlns:adec="http://schemas.microsoft.com/office/drawing/2017/decorative" val="1"/>
+              </a:ext>
+            </a:extLst>
+          </p:cNvPr>
+          <p:cNvPicPr>
+            <a:picLocks noGrp="1" noRot="1" noChangeAspect="1" noMove="1" noResize="1" noEditPoints="1" noAdjustHandles="1" noChangeArrowheads="1" noChangeShapeType="1" noCrop="1"/>
+          </p:cNvPicPr>
+          <p:nvPr>
+            <p:extLst>
+              <p:ext uri="{386F3935-93C4-4BCD-93E2-E3B085C9AB24}">
+                <p16:designElem xmlns:p16="http://schemas.microsoft.com/office/powerpoint/2015/main" val="1"/>
+              </p:ext>
+            </p:extLst>
+          </p:nvPr>
+        </p:nvPicPr>
+        <p:blipFill rotWithShape="1">
+          <a:blip r:embed="rId2">
+            <a:extLst>
+              <a:ext uri="{28A0092B-C50C-407E-A947-70E740481C1C}">
+                <a14:useLocalDpi xmlns:a14="http://schemas.microsoft.com/office/drawing/2010/main" val="0"/>
+              </a:ext>
+            </a:extLst>
+          </a:blip>
+          <a:srcRect t="1538" b="-1538"/>
+          <a:stretch/>
+        </p:blipFill>
+        <p:spPr bwMode="black">
+          <a:xfrm>
+            <a:off x="0" y="6126480"/>
+            <a:ext cx="12192000" cy="742950"/>
+          </a:xfrm>
+          <a:prstGeom prst="rect">
+            <a:avLst/>
+          </a:prstGeom>
+        </p:spPr>
+      </p:pic>
+      <p:cxnSp>
+        <p:nvCxnSpPr>
+          <p:cNvPr id="203" name="Straight Connector 202">
+            <a:extLst>
+              <a:ext uri="{FF2B5EF4-FFF2-40B4-BE49-F238E27FC236}">
+                <a16:creationId xmlns:a16="http://schemas.microsoft.com/office/drawing/2014/main" id="{D885E9F4-7DB6-4B77-B1FF-80BFCE81277B}"/>
+              </a:ext>
+              <a:ext uri="{C183D7F6-B498-43B3-948B-1728B52AA6E4}">
+                <adec:decorative xmlns:adec="http://schemas.microsoft.com/office/drawing/2017/decorative" val="1"/>
+              </a:ext>
+            </a:extLst>
+          </p:cNvPr>
+          <p:cNvCxnSpPr>
+            <a:cxnSpLocks noGrp="1" noRot="1" noChangeAspect="1" noMove="1" noResize="1" noEditPoints="1" noAdjustHandles="1" noChangeArrowheads="1" noChangeShapeType="1"/>
+          </p:cNvCxnSpPr>
+          <p:nvPr>
+            <p:extLst>
+              <p:ext uri="{386F3935-93C4-4BCD-93E2-E3B085C9AB24}">
+                <p16:designElem xmlns:p16="http://schemas.microsoft.com/office/powerpoint/2015/main" val="1"/>
+              </p:ext>
+            </p:extLst>
+          </p:nvPr>
+        </p:nvCxnSpPr>
+        <p:spPr>
+          <a:xfrm>
+            <a:off x="0" y="6128413"/>
+            <a:ext cx="12192000" cy="0"/>
+          </a:xfrm>
+          <a:prstGeom prst="line">
+            <a:avLst/>
+          </a:prstGeom>
+          <a:ln w="12700">
+            <a:solidFill>
+              <a:srgbClr val="000001">
+                <a:alpha val="20000"/>
+              </a:srgbClr>
+            </a:solidFill>
+          </a:ln>
+        </p:spPr>
+        <p:style>
+          <a:lnRef idx="1">
+            <a:schemeClr val="accent1"/>
+          </a:lnRef>
+          <a:fillRef idx="0">
+            <a:schemeClr val="accent1"/>
+          </a:fillRef>
+          <a:effectRef idx="0">
+            <a:schemeClr val="accent1"/>
+          </a:effectRef>
+          <a:fontRef idx="minor">
+            <a:schemeClr val="tx1"/>
+          </a:fontRef>
+        </p:style>
+      </p:cxnSp>
+      <p:cxnSp>
+        <p:nvCxnSpPr>
+          <p:cNvPr id="205" name="Straight Connector 204">
+            <a:extLst>
+              <a:ext uri="{FF2B5EF4-FFF2-40B4-BE49-F238E27FC236}">
+                <a16:creationId xmlns:a16="http://schemas.microsoft.com/office/drawing/2014/main" id="{DB639A2B-C30C-4F6F-B847-6960F3CF8A64}"/>
+              </a:ext>
+              <a:ext uri="{C183D7F6-B498-43B3-948B-1728B52AA6E4}">
+                <adec:decorative xmlns:adec="http://schemas.microsoft.com/office/drawing/2017/decorative" val="1"/>
+              </a:ext>
+            </a:extLst>
+          </p:cNvPr>
+          <p:cNvCxnSpPr>
+            <a:cxnSpLocks noGrp="1" noRot="1" noChangeAspect="1" noMove="1" noResize="1" noEditPoints="1" noAdjustHandles="1" noChangeArrowheads="1" noChangeShapeType="1"/>
+          </p:cNvCxnSpPr>
+          <p:nvPr>
+            <p:extLst>
+              <p:ext uri="{386F3935-93C4-4BCD-93E2-E3B085C9AB24}">
+                <p16:designElem xmlns:p16="http://schemas.microsoft.com/office/powerpoint/2015/main" val="1"/>
+              </p:ext>
+            </p:extLst>
+          </p:nvPr>
+        </p:nvCxnSpPr>
+        <p:spPr>
+          <a:xfrm>
+            <a:off x="2417780" y="3528542"/>
+            <a:ext cx="8637072" cy="0"/>
+          </a:xfrm>
+          <a:prstGeom prst="line">
+            <a:avLst/>
+          </a:prstGeom>
+          <a:ln w="31750"/>
+        </p:spPr>
+        <p:style>
+          <a:lnRef idx="3">
+            <a:schemeClr val="accent1"/>
+          </a:lnRef>
+          <a:fillRef idx="0">
+            <a:schemeClr val="accent1"/>
+          </a:fillRef>
+          <a:effectRef idx="2">
+            <a:schemeClr val="accent1"/>
+          </a:effectRef>
+          <a:fontRef idx="minor">
+            <a:schemeClr val="tx1"/>
+          </a:fontRef>
+        </p:style>
+      </p:cxnSp>
+      <p:sp useBgFill="1">
+        <p:nvSpPr>
+          <p:cNvPr id="207" name="Rectangle 206">
+            <a:extLst>
+              <a:ext uri="{FF2B5EF4-FFF2-40B4-BE49-F238E27FC236}">
+                <a16:creationId xmlns:a16="http://schemas.microsoft.com/office/drawing/2014/main" id="{D9926FA0-8ED1-4F3A-B23B-FD94D82C74B5}"/>
+              </a:ext>
+              <a:ext uri="{C183D7F6-B498-43B3-948B-1728B52AA6E4}">
+                <adec:decorative xmlns:adec="http://schemas.microsoft.com/office/drawing/2017/decorative" val="1"/>
+              </a:ext>
+            </a:extLst>
+          </p:cNvPr>
+          <p:cNvSpPr>
+            <a:spLocks noGrp="1" noRot="1" noChangeAspect="1" noMove="1" noResize="1" noEditPoints="1" noAdjustHandles="1" noChangeArrowheads="1" noChangeShapeType="1" noTextEdit="1"/>
+          </p:cNvSpPr>
+          <p:nvPr>
+            <p:extLst>
+              <p:ext uri="{386F3935-93C4-4BCD-93E2-E3B085C9AB24}">
+                <p16:designElem xmlns:p16="http://schemas.microsoft.com/office/powerpoint/2015/main" val="1"/>
+              </p:ext>
+            </p:extLst>
+          </p:nvPr>
+        </p:nvSpPr>
+        <p:spPr>
+          <a:xfrm>
+            <a:off x="2" y="0"/>
+            <a:ext cx="12191695" cy="6858000"/>
+          </a:xfrm>
+          <a:prstGeom prst="rect">
+            <a:avLst/>
+          </a:prstGeom>
+          <a:ln>
+            <a:noFill/>
+          </a:ln>
+        </p:spPr>
+        <p:style>
+          <a:lnRef idx="2">
+            <a:schemeClr val="accent1">
+              <a:shade val="50000"/>
+            </a:schemeClr>
+          </a:lnRef>
+          <a:fillRef idx="1">
+            <a:schemeClr val="accent1"/>
+          </a:fillRef>
+          <a:effectRef idx="0">
+            <a:schemeClr val="accent1"/>
+          </a:effectRef>
+          <a:fontRef idx="minor">
+            <a:schemeClr val="lt1"/>
+          </a:fontRef>
+        </p:style>
+        <p:txBody>
+          <a:bodyPr rtlCol="0" anchor="ctr"/>
+          <a:lstStyle/>
+          <a:p>
+            <a:pPr algn="ctr"/>
+            <a:endParaRPr lang="en-US"/>
+          </a:p>
+        </p:txBody>
+      </p:sp>
+      <p:sp>
+        <p:nvSpPr>
+          <p:cNvPr id="209" name="Rectangle 208">
+            <a:extLst>
+              <a:ext uri="{FF2B5EF4-FFF2-40B4-BE49-F238E27FC236}">
+                <a16:creationId xmlns:a16="http://schemas.microsoft.com/office/drawing/2014/main" id="{3A102CD9-C25A-4A86-B9D3-D7280D91428B}"/>
+              </a:ext>
+              <a:ext uri="{C183D7F6-B498-43B3-948B-1728B52AA6E4}">
+                <adec:decorative xmlns:adec="http://schemas.microsoft.com/office/drawing/2017/decorative" val="1"/>
+              </a:ext>
+            </a:extLst>
+          </p:cNvPr>
+          <p:cNvSpPr>
+            <a:spLocks noGrp="1" noRot="1" noChangeAspect="1" noMove="1" noResize="1" noEditPoints="1" noAdjustHandles="1" noChangeArrowheads="1" noChangeShapeType="1" noTextEdit="1"/>
+          </p:cNvSpPr>
+          <p:nvPr>
+            <p:extLst>
+              <p:ext uri="{386F3935-93C4-4BCD-93E2-E3B085C9AB24}">
+                <p16:designElem xmlns:p16="http://schemas.microsoft.com/office/powerpoint/2015/main" val="1"/>
+              </p:ext>
+            </p:extLst>
+          </p:nvPr>
+        </p:nvSpPr>
+        <p:spPr>
+          <a:xfrm>
+            <a:off x="0" y="2019476"/>
+            <a:ext cx="12192000" cy="4105941"/>
+          </a:xfrm>
+          <a:prstGeom prst="rect">
+            <a:avLst/>
+          </a:prstGeom>
+          <a:gradFill flip="none" rotWithShape="1">
+            <a:gsLst>
+              <a:gs pos="0">
+                <a:schemeClr val="bg2">
+                  <a:alpha val="0"/>
+                </a:schemeClr>
+              </a:gs>
+              <a:gs pos="100000">
+                <a:schemeClr val="bg2"/>
+              </a:gs>
+            </a:gsLst>
+            <a:lin ang="5400000" scaled="0"/>
+            <a:tileRect/>
+          </a:gradFill>
+          <a:ln>
+            <a:noFill/>
+          </a:ln>
+        </p:spPr>
+        <p:style>
+          <a:lnRef idx="2">
+            <a:schemeClr val="accent1">
+              <a:shade val="50000"/>
+            </a:schemeClr>
+          </a:lnRef>
+          <a:fillRef idx="1">
+            <a:schemeClr val="accent1"/>
+          </a:fillRef>
+          <a:effectRef idx="0">
+            <a:schemeClr val="accent1"/>
+          </a:effectRef>
+          <a:fontRef idx="minor">
+            <a:schemeClr val="lt1"/>
+          </a:fontRef>
+        </p:style>
+        <p:txBody>
+          <a:bodyPr rtlCol="0" anchor="ctr"/>
+          <a:lstStyle/>
+          <a:p>
+            <a:pPr lvl="0" algn="ctr"/>
+            <a:endParaRPr lang="en-US"/>
+          </a:p>
+        </p:txBody>
+      </p:sp>
+      <p:sp>
+        <p:nvSpPr>
           <p:cNvPr id="2" name="Title 1">
             <a:extLst>
               <a:ext uri="{FF2B5EF4-FFF2-40B4-BE49-F238E27FC236}">
@@ -11655,13 +12034,20 @@
             <p:ph type="title"/>
           </p:nvPr>
         </p:nvSpPr>
-        <p:spPr/>
+        <p:spPr>
+          <a:xfrm>
+            <a:off x="659301" y="1474969"/>
+            <a:ext cx="2823919" cy="1868760"/>
+          </a:xfrm>
+        </p:spPr>
         <p:txBody>
-          <a:bodyPr/>
+          <a:bodyPr vert="horz" lIns="91440" tIns="45720" rIns="91440" bIns="0" rtlCol="0" anchor="b">
+            <a:normAutofit/>
+          </a:bodyPr>
           <a:lstStyle/>
           <a:p>
             <a:r>
-              <a:rPr lang="en-SG" cap="none" dirty="0"/>
+              <a:rPr lang="en-US" sz="3300"/>
               <a:t>Tuning and Training the model:</a:t>
             </a:r>
           </a:p>
@@ -11669,37 +12055,158 @@
       </p:sp>
       <p:pic>
         <p:nvPicPr>
-          <p:cNvPr id="1026" name="Picture 2" descr="Download 42 Time Wallpapers Which Will Always Keep You On Time">
+          <p:cNvPr id="6" name="Picture 5">
             <a:extLst>
               <a:ext uri="{FF2B5EF4-FFF2-40B4-BE49-F238E27FC236}">
-                <a16:creationId xmlns:a16="http://schemas.microsoft.com/office/drawing/2014/main" id="{29D5FF41-A325-4F8D-AB54-D09F0C41F306}"/>
+                <a16:creationId xmlns:a16="http://schemas.microsoft.com/office/drawing/2014/main" id="{64C98CBA-052B-4015-913C-9286BBEC318A}"/>
               </a:ext>
             </a:extLst>
           </p:cNvPr>
           <p:cNvPicPr>
-            <a:picLocks noGrp="1" noChangeAspect="1" noChangeArrowheads="1"/>
+            <a:picLocks noChangeAspect="1"/>
           </p:cNvPicPr>
-          <p:nvPr>
-            <p:ph idx="1"/>
-          </p:nvPr>
+          <p:nvPr/>
         </p:nvPicPr>
         <p:blipFill>
-          <a:blip r:embed="rId2">
+          <a:blip r:embed="rId3"/>
+          <a:stretch>
+            <a:fillRect/>
+          </a:stretch>
+        </p:blipFill>
+        <p:spPr>
+          <a:xfrm>
+            <a:off x="4001909" y="481108"/>
+            <a:ext cx="3668289" cy="2491907"/>
+          </a:xfrm>
+          <a:prstGeom prst="rect">
+            <a:avLst/>
+          </a:prstGeom>
+        </p:spPr>
+      </p:pic>
+      <p:pic>
+        <p:nvPicPr>
+          <p:cNvPr id="2050" name="Picture 2" descr="Sleepy: Revealed: Here's why we fall asleep when bored - The Economic Times">
+            <a:extLst>
+              <a:ext uri="{FF2B5EF4-FFF2-40B4-BE49-F238E27FC236}">
+                <a16:creationId xmlns:a16="http://schemas.microsoft.com/office/drawing/2014/main" id="{1E1717EA-41BC-4793-97EC-9088B9675F9A}"/>
+              </a:ext>
+            </a:extLst>
+          </p:cNvPr>
+          <p:cNvPicPr>
+            <a:picLocks noChangeAspect="1" noChangeArrowheads="1"/>
+          </p:cNvPicPr>
+          <p:nvPr/>
+        </p:nvPicPr>
+        <p:blipFill>
+          <a:blip r:embed="rId4">
             <a:extLst>
               <a:ext uri="{28A0092B-C50C-407E-A947-70E740481C1C}">
                 <a14:useLocalDpi xmlns:a14="http://schemas.microsoft.com/office/drawing/2010/main" val="0"/>
               </a:ext>
             </a:extLst>
           </a:blip>
-          <a:srcRect/>
           <a:stretch>
             <a:fillRect/>
           </a:stretch>
         </p:blipFill>
         <p:spPr bwMode="auto">
           <a:xfrm>
-            <a:off x="422879" y="2039984"/>
-            <a:ext cx="3203786" cy="2402241"/>
+            <a:off x="8028667" y="481108"/>
+            <a:ext cx="3322542" cy="2491907"/>
+          </a:xfrm>
+          <a:prstGeom prst="rect">
+            <a:avLst/>
+          </a:prstGeom>
+          <a:noFill/>
+          <a:extLst>
+            <a:ext uri="{909E8E84-426E-40DD-AFC4-6F175D3DCCD1}">
+              <a14:hiddenFill xmlns:a14="http://schemas.microsoft.com/office/drawing/2010/main">
+                <a:solidFill>
+                  <a:srgbClr val="FFFFFF"/>
+                </a:solidFill>
+              </a14:hiddenFill>
+            </a:ext>
+          </a:extLst>
+        </p:spPr>
+      </p:pic>
+      <p:cxnSp>
+        <p:nvCxnSpPr>
+          <p:cNvPr id="211" name="Straight Connector 210">
+            <a:extLst>
+              <a:ext uri="{FF2B5EF4-FFF2-40B4-BE49-F238E27FC236}">
+                <a16:creationId xmlns:a16="http://schemas.microsoft.com/office/drawing/2014/main" id="{90676B93-40FB-4FA7-8E89-C24B7B1F8F57}"/>
+              </a:ext>
+              <a:ext uri="{C183D7F6-B498-43B3-948B-1728B52AA6E4}">
+                <adec:decorative xmlns:adec="http://schemas.microsoft.com/office/drawing/2017/decorative" val="1"/>
+              </a:ext>
+            </a:extLst>
+          </p:cNvPr>
+          <p:cNvCxnSpPr>
+            <a:cxnSpLocks noGrp="1" noRot="1" noChangeAspect="1" noMove="1" noResize="1" noEditPoints="1" noAdjustHandles="1" noChangeArrowheads="1" noChangeShapeType="1"/>
+          </p:cNvCxnSpPr>
+          <p:nvPr>
+            <p:extLst>
+              <p:ext uri="{386F3935-93C4-4BCD-93E2-E3B085C9AB24}">
+                <p16:designElem xmlns:p16="http://schemas.microsoft.com/office/powerpoint/2015/main" val="1"/>
+              </p:ext>
+            </p:extLst>
+          </p:nvPr>
+        </p:nvCxnSpPr>
+        <p:spPr>
+          <a:xfrm>
+            <a:off x="659301" y="3528543"/>
+            <a:ext cx="2823919" cy="0"/>
+          </a:xfrm>
+          <a:prstGeom prst="line">
+            <a:avLst/>
+          </a:prstGeom>
+          <a:ln w="31750"/>
+        </p:spPr>
+        <p:style>
+          <a:lnRef idx="3">
+            <a:schemeClr val="accent1"/>
+          </a:lnRef>
+          <a:fillRef idx="0">
+            <a:schemeClr val="accent1"/>
+          </a:fillRef>
+          <a:effectRef idx="2">
+            <a:schemeClr val="accent1"/>
+          </a:effectRef>
+          <a:fontRef idx="minor">
+            <a:schemeClr val="tx1"/>
+          </a:fontRef>
+        </p:style>
+      </p:cxnSp>
+      <p:pic>
+        <p:nvPicPr>
+          <p:cNvPr id="3074" name="Picture 2" descr="Dell Computer Fire / Explosion - FULL VERSION - YouTube">
+            <a:extLst>
+              <a:ext uri="{FF2B5EF4-FFF2-40B4-BE49-F238E27FC236}">
+                <a16:creationId xmlns:a16="http://schemas.microsoft.com/office/drawing/2014/main" id="{CDF0F6B6-7F23-431E-8AD8-DBD6821DC4D6}"/>
+              </a:ext>
+            </a:extLst>
+          </p:cNvPr>
+          <p:cNvPicPr>
+            <a:picLocks noChangeAspect="1" noChangeArrowheads="1"/>
+          </p:cNvPicPr>
+          <p:nvPr/>
+        </p:nvPicPr>
+        <p:blipFill>
+          <a:blip r:embed="rId5">
+            <a:extLst>
+              <a:ext uri="{28A0092B-C50C-407E-A947-70E740481C1C}">
+                <a14:useLocalDpi xmlns:a14="http://schemas.microsoft.com/office/drawing/2010/main" val="0"/>
+              </a:ext>
+            </a:extLst>
+          </a:blip>
+          <a:stretch>
+            <a:fillRect/>
+          </a:stretch>
+        </p:blipFill>
+        <p:spPr bwMode="auto">
+          <a:xfrm>
+            <a:off x="3989479" y="3344540"/>
+            <a:ext cx="3693150" cy="2077396"/>
           </a:xfrm>
           <a:prstGeom prst="rect">
             <a:avLst/>
@@ -11718,35 +12225,36 @@
       </p:pic>
       <p:pic>
         <p:nvPicPr>
-          <p:cNvPr id="2050" name="Picture 2" descr="Sleepy: Revealed: Here's why we fall asleep when bored - The Economic Times">
+          <p:cNvPr id="1026" name="Picture 2" descr="Download 42 Time Wallpapers Which Will Always Keep You On Time">
             <a:extLst>
               <a:ext uri="{FF2B5EF4-FFF2-40B4-BE49-F238E27FC236}">
-                <a16:creationId xmlns:a16="http://schemas.microsoft.com/office/drawing/2014/main" id="{1E1717EA-41BC-4793-97EC-9088B9675F9A}"/>
+                <a16:creationId xmlns:a16="http://schemas.microsoft.com/office/drawing/2014/main" id="{29D5FF41-A325-4F8D-AB54-D09F0C41F306}"/>
               </a:ext>
             </a:extLst>
           </p:cNvPr>
           <p:cNvPicPr>
-            <a:picLocks noChangeAspect="1" noChangeArrowheads="1"/>
+            <a:picLocks noGrp="1" noChangeAspect="1" noChangeArrowheads="1"/>
           </p:cNvPicPr>
-          <p:nvPr/>
+          <p:nvPr>
+            <p:ph idx="1"/>
+          </p:nvPr>
         </p:nvPicPr>
         <p:blipFill>
-          <a:blip r:embed="rId3">
+          <a:blip r:embed="rId6">
             <a:extLst>
               <a:ext uri="{28A0092B-C50C-407E-A947-70E740481C1C}">
                 <a14:useLocalDpi xmlns:a14="http://schemas.microsoft.com/office/drawing/2010/main" val="0"/>
               </a:ext>
             </a:extLst>
           </a:blip>
-          <a:srcRect/>
           <a:stretch>
             <a:fillRect/>
           </a:stretch>
         </p:blipFill>
         <p:spPr bwMode="auto">
           <a:xfrm>
-            <a:off x="3803277" y="2642346"/>
-            <a:ext cx="3316941" cy="2487706"/>
+            <a:off x="8028364" y="3138486"/>
+            <a:ext cx="3322542" cy="2491907"/>
           </a:xfrm>
           <a:prstGeom prst="rect">
             <a:avLst/>
@@ -11765,51 +12273,102 @@
       </p:pic>
       <p:pic>
         <p:nvPicPr>
-          <p:cNvPr id="3074" name="Picture 2" descr="Dell Computer Fire / Explosion - FULL VERSION - YouTube">
+          <p:cNvPr id="213" name="Picture 212">
             <a:extLst>
               <a:ext uri="{FF2B5EF4-FFF2-40B4-BE49-F238E27FC236}">
-                <a16:creationId xmlns:a16="http://schemas.microsoft.com/office/drawing/2014/main" id="{CDF0F6B6-7F23-431E-8AD8-DBD6821DC4D6}"/>
+                <a16:creationId xmlns:a16="http://schemas.microsoft.com/office/drawing/2014/main" id="{3509D85C-1896-4695-A144-B562AFC58EB2}"/>
+              </a:ext>
+              <a:ext uri="{C183D7F6-B498-43B3-948B-1728B52AA6E4}">
+                <adec:decorative xmlns:adec="http://schemas.microsoft.com/office/drawing/2017/decorative" val="1"/>
               </a:ext>
             </a:extLst>
           </p:cNvPr>
           <p:cNvPicPr>
-            <a:picLocks noChangeAspect="1" noChangeArrowheads="1"/>
+            <a:picLocks noGrp="1" noRot="1" noChangeAspect="1" noMove="1" noResize="1" noEditPoints="1" noAdjustHandles="1" noChangeArrowheads="1" noChangeShapeType="1" noCrop="1"/>
           </p:cNvPicPr>
-          <p:nvPr/>
+          <p:nvPr>
+            <p:extLst>
+              <p:ext uri="{386F3935-93C4-4BCD-93E2-E3B085C9AB24}">
+                <p16:designElem xmlns:p16="http://schemas.microsoft.com/office/powerpoint/2015/main" val="1"/>
+              </p:ext>
+            </p:extLst>
+          </p:nvPr>
         </p:nvPicPr>
-        <p:blipFill>
-          <a:blip r:embed="rId4">
+        <p:blipFill rotWithShape="1">
+          <a:blip r:embed="rId2">
             <a:extLst>
               <a:ext uri="{28A0092B-C50C-407E-A947-70E740481C1C}">
                 <a14:useLocalDpi xmlns:a14="http://schemas.microsoft.com/office/drawing/2010/main" val="0"/>
               </a:ext>
             </a:extLst>
           </a:blip>
-          <a:srcRect/>
-          <a:stretch>
-            <a:fillRect/>
-          </a:stretch>
+          <a:srcRect t="1538" b="-1538"/>
+          <a:stretch/>
         </p:blipFill>
-        <p:spPr bwMode="auto">
+        <p:spPr bwMode="black">
           <a:xfrm>
-            <a:off x="7404408" y="2105103"/>
-            <a:ext cx="3716229" cy="2090379"/>
+            <a:off x="0" y="6126480"/>
+            <a:ext cx="12192000" cy="742950"/>
           </a:xfrm>
           <a:prstGeom prst="rect">
             <a:avLst/>
           </a:prstGeom>
-          <a:noFill/>
-          <a:extLst>
-            <a:ext uri="{909E8E84-426E-40DD-AFC4-6F175D3DCCD1}">
-              <a14:hiddenFill xmlns:a14="http://schemas.microsoft.com/office/drawing/2010/main">
-                <a:solidFill>
-                  <a:srgbClr val="FFFFFF"/>
-                </a:solidFill>
-              </a14:hiddenFill>
-            </a:ext>
-          </a:extLst>
         </p:spPr>
       </p:pic>
+      <p:cxnSp>
+        <p:nvCxnSpPr>
+          <p:cNvPr id="215" name="Straight Connector 214">
+            <a:extLst>
+              <a:ext uri="{FF2B5EF4-FFF2-40B4-BE49-F238E27FC236}">
+                <a16:creationId xmlns:a16="http://schemas.microsoft.com/office/drawing/2014/main" id="{6D9F55CD-CB1D-4CB9-98D3-2BC602BC430E}"/>
+              </a:ext>
+              <a:ext uri="{C183D7F6-B498-43B3-948B-1728B52AA6E4}">
+                <adec:decorative xmlns:adec="http://schemas.microsoft.com/office/drawing/2017/decorative" val="1"/>
+              </a:ext>
+            </a:extLst>
+          </p:cNvPr>
+          <p:cNvCxnSpPr>
+            <a:cxnSpLocks noGrp="1" noRot="1" noChangeAspect="1" noMove="1" noResize="1" noEditPoints="1" noAdjustHandles="1" noChangeArrowheads="1" noChangeShapeType="1"/>
+          </p:cNvCxnSpPr>
+          <p:nvPr>
+            <p:extLst>
+              <p:ext uri="{386F3935-93C4-4BCD-93E2-E3B085C9AB24}">
+                <p16:designElem xmlns:p16="http://schemas.microsoft.com/office/powerpoint/2015/main" val="1"/>
+              </p:ext>
+            </p:extLst>
+          </p:nvPr>
+        </p:nvCxnSpPr>
+        <p:spPr>
+          <a:xfrm>
+            <a:off x="0" y="6128413"/>
+            <a:ext cx="12192000" cy="0"/>
+          </a:xfrm>
+          <a:prstGeom prst="line">
+            <a:avLst/>
+          </a:prstGeom>
+          <a:ln w="12700">
+            <a:solidFill>
+              <a:srgbClr val="000001">
+                <a:alpha val="20000"/>
+              </a:srgbClr>
+            </a:solidFill>
+          </a:ln>
+        </p:spPr>
+        <p:style>
+          <a:lnRef idx="1">
+            <a:schemeClr val="accent1"/>
+          </a:lnRef>
+          <a:fillRef idx="0">
+            <a:schemeClr val="accent1"/>
+          </a:fillRef>
+          <a:effectRef idx="0">
+            <a:schemeClr val="accent1"/>
+          </a:effectRef>
+          <a:fontRef idx="minor">
+            <a:schemeClr val="tx1"/>
+          </a:fontRef>
+        </p:style>
+      </p:cxnSp>
     </p:spTree>
     <p:extLst>
       <p:ext uri="{BB962C8B-B14F-4D97-AF65-F5344CB8AC3E}">
@@ -11998,7 +12557,7 @@
           <p:cNvPr id="2" name="Title 1">
             <a:extLst>
               <a:ext uri="{FF2B5EF4-FFF2-40B4-BE49-F238E27FC236}">
-                <a16:creationId xmlns:a16="http://schemas.microsoft.com/office/drawing/2014/main" id="{4712583E-3F1F-4065-A02D-3AC24FB204C2}"/>
+                <a16:creationId xmlns:a16="http://schemas.microsoft.com/office/drawing/2014/main" id="{EFD326AA-73F2-4822-A5E7-12DA97D77941}"/>
               </a:ext>
             </a:extLst>
           </p:cNvPr>
@@ -12016,7 +12575,7 @@
           <a:p>
             <a:r>
               <a:rPr lang="en-SG" cap="none" dirty="0"/>
-              <a:t>Final model architecture:</a:t>
+              <a:t>Tuning results</a:t>
             </a:r>
           </a:p>
         </p:txBody>
@@ -12026,7 +12585,7 @@
           <p:cNvPr id="3" name="Content Placeholder 2">
             <a:extLst>
               <a:ext uri="{FF2B5EF4-FFF2-40B4-BE49-F238E27FC236}">
-                <a16:creationId xmlns:a16="http://schemas.microsoft.com/office/drawing/2014/main" id="{FF96ADB8-1C8E-48A3-8B3D-6B9B368ADB72}"/>
+                <a16:creationId xmlns:a16="http://schemas.microsoft.com/office/drawing/2014/main" id="{936A7810-ADD2-4071-9338-7ABA5BED6601}"/>
               </a:ext>
             </a:extLst>
           </p:cNvPr>
@@ -12039,43 +12598,33 @@
         </p:nvSpPr>
         <p:spPr>
           <a:xfrm>
-            <a:off x="7949290" y="2122018"/>
-            <a:ext cx="3467063" cy="3459916"/>
+            <a:off x="7738782" y="2015732"/>
+            <a:ext cx="3316072" cy="3450613"/>
           </a:xfrm>
         </p:spPr>
         <p:txBody>
-          <a:bodyPr>
-            <a:normAutofit fontScale="92500" lnSpcReduction="20000"/>
-          </a:bodyPr>
+          <a:bodyPr/>
           <a:lstStyle/>
           <a:p>
             <a:r>
               <a:rPr lang="en-SG" dirty="0"/>
-              <a:t>Deep architectures were attempted (VGG, </a:t>
+              <a:t>Stage 1 consists of 2 convolution layers</a:t>
             </a:r>
-            <a:r>
-              <a:rPr lang="en-SG" dirty="0" err="1"/>
-              <a:t>AlexNet</a:t>
-            </a:r>
+          </a:p>
+          <a:p>
             <a:r>
               <a:rPr lang="en-SG" dirty="0"/>
-              <a:t>) but couldn’t seem to achieve higher accuracies.</a:t>
-            </a:r>
-          </a:p>
-          <a:p>
-            <a:r>
-              <a:rPr lang="en-SG" dirty="0"/>
-              <a:t>After removing some layers, the final network is shallow with only 3 convolution layers and 1 pooling layer (Max pooling), with the final dense layer for the final classification output.</a:t>
+              <a:t>Stage 2 consists of 1 convolution layer</a:t>
             </a:r>
           </a:p>
         </p:txBody>
       </p:sp>
       <p:pic>
         <p:nvPicPr>
-          <p:cNvPr id="5" name="Picture 4">
+          <p:cNvPr id="7" name="Picture 6">
             <a:extLst>
               <a:ext uri="{FF2B5EF4-FFF2-40B4-BE49-F238E27FC236}">
-                <a16:creationId xmlns:a16="http://schemas.microsoft.com/office/drawing/2014/main" id="{3B4280CA-A4BA-470E-AF27-0076130E6C46}"/>
+                <a16:creationId xmlns:a16="http://schemas.microsoft.com/office/drawing/2014/main" id="{750EAEE3-A940-42DC-8F23-D07E3BEB5465}"/>
               </a:ext>
             </a:extLst>
           </p:cNvPr>
@@ -12092,8 +12641,8 @@
         </p:blipFill>
         <p:spPr>
           <a:xfrm>
-            <a:off x="1451579" y="2062506"/>
-            <a:ext cx="6105525" cy="3990975"/>
+            <a:off x="1451579" y="2210084"/>
+            <a:ext cx="4581525" cy="1314450"/>
           </a:xfrm>
           <a:prstGeom prst="rect">
             <a:avLst/>
@@ -12103,7 +12652,7 @@
     </p:spTree>
     <p:extLst>
       <p:ext uri="{BB962C8B-B14F-4D97-AF65-F5344CB8AC3E}">
-        <p14:creationId xmlns:p14="http://schemas.microsoft.com/office/powerpoint/2010/main" val="2031575006"/>
+        <p14:creationId xmlns:p14="http://schemas.microsoft.com/office/powerpoint/2010/main" val="1690919233"/>
       </p:ext>
     </p:extLst>
   </p:cSld>
@@ -12135,7 +12684,7 @@
           <p:cNvPr id="2" name="Title 1">
             <a:extLst>
               <a:ext uri="{FF2B5EF4-FFF2-40B4-BE49-F238E27FC236}">
-                <a16:creationId xmlns:a16="http://schemas.microsoft.com/office/drawing/2014/main" id="{6A3F6BC0-C3A5-4F75-ACA4-7A8D3D5E575E}"/>
+                <a16:creationId xmlns:a16="http://schemas.microsoft.com/office/drawing/2014/main" id="{4712583E-3F1F-4065-A02D-3AC24FB204C2}"/>
               </a:ext>
             </a:extLst>
           </p:cNvPr>
@@ -12153,7 +12702,7 @@
           <a:p>
             <a:r>
               <a:rPr lang="en-SG" cap="none" dirty="0"/>
-              <a:t>Evaluation</a:t>
+              <a:t>Final model architecture</a:t>
             </a:r>
           </a:p>
         </p:txBody>
@@ -12163,7 +12712,7 @@
           <p:cNvPr id="3" name="Content Placeholder 2">
             <a:extLst>
               <a:ext uri="{FF2B5EF4-FFF2-40B4-BE49-F238E27FC236}">
-                <a16:creationId xmlns:a16="http://schemas.microsoft.com/office/drawing/2014/main" id="{C9B77E6C-9970-4C20-B498-F0F7412A8761}"/>
+                <a16:creationId xmlns:a16="http://schemas.microsoft.com/office/drawing/2014/main" id="{FF96ADB8-1C8E-48A3-8B3D-6B9B368ADB72}"/>
               </a:ext>
             </a:extLst>
           </p:cNvPr>
@@ -12176,17 +12725,33 @@
         </p:nvSpPr>
         <p:spPr>
           <a:xfrm>
-            <a:off x="7226489" y="2089560"/>
-            <a:ext cx="4149087" cy="3439652"/>
+            <a:off x="7949290" y="2122018"/>
+            <a:ext cx="3467063" cy="3459916"/>
           </a:xfrm>
         </p:spPr>
         <p:txBody>
-          <a:bodyPr/>
+          <a:bodyPr>
+            <a:normAutofit fontScale="92500" lnSpcReduction="20000"/>
+          </a:bodyPr>
           <a:lstStyle/>
           <a:p>
             <a:r>
               <a:rPr lang="en-SG" dirty="0"/>
-              <a:t>Model stagnates around 0.70-0.72 accuracy</a:t>
+              <a:t>Deep architectures were attempted (VGG, </a:t>
+            </a:r>
+            <a:r>
+              <a:rPr lang="en-SG" dirty="0" err="1"/>
+              <a:t>AlexNet</a:t>
+            </a:r>
+            <a:r>
+              <a:rPr lang="en-SG" dirty="0"/>
+              <a:t>) but couldn’t seem to achieve higher accuracies.</a:t>
+            </a:r>
+          </a:p>
+          <a:p>
+            <a:r>
+              <a:rPr lang="en-SG" dirty="0"/>
+              <a:t>After removing some layers, the final network is shallow with only 3 convolution layers and 2 pooling layers (Max pooling), with the last dense layer for the final classification output.</a:t>
             </a:r>
           </a:p>
         </p:txBody>
@@ -12196,7 +12761,7 @@
           <p:cNvPr id="8" name="Picture 7">
             <a:extLst>
               <a:ext uri="{FF2B5EF4-FFF2-40B4-BE49-F238E27FC236}">
-                <a16:creationId xmlns:a16="http://schemas.microsoft.com/office/drawing/2014/main" id="{2DF19341-6F5A-4270-9574-46A7D4BE6314}"/>
+                <a16:creationId xmlns:a16="http://schemas.microsoft.com/office/drawing/2014/main" id="{43C94232-8148-4841-8CF4-1358CB1C5BB7}"/>
               </a:ext>
             </a:extLst>
           </p:cNvPr>
@@ -12213,18 +12778,185 @@
         </p:blipFill>
         <p:spPr>
           <a:xfrm>
-            <a:off x="1451579" y="1970649"/>
-            <a:ext cx="5728651" cy="3439652"/>
+            <a:off x="1451579" y="2122018"/>
+            <a:ext cx="4935845" cy="3762446"/>
           </a:xfrm>
           <a:prstGeom prst="rect">
             <a:avLst/>
           </a:prstGeom>
         </p:spPr>
       </p:pic>
+      <p:sp>
+        <p:nvSpPr>
+          <p:cNvPr id="5" name="Left Brace 4">
+            <a:extLst>
+              <a:ext uri="{FF2B5EF4-FFF2-40B4-BE49-F238E27FC236}">
+                <a16:creationId xmlns:a16="http://schemas.microsoft.com/office/drawing/2014/main" id="{4922EEDA-F841-435F-B45F-0178C7D2DB1E}"/>
+              </a:ext>
+            </a:extLst>
+          </p:cNvPr>
+          <p:cNvSpPr/>
+          <p:nvPr/>
+        </p:nvSpPr>
+        <p:spPr>
+          <a:xfrm>
+            <a:off x="1048871" y="2770094"/>
+            <a:ext cx="349623" cy="1210235"/>
+          </a:xfrm>
+          <a:prstGeom prst="leftBrace">
+            <a:avLst/>
+          </a:prstGeom>
+        </p:spPr>
+        <p:style>
+          <a:lnRef idx="1">
+            <a:schemeClr val="accent1"/>
+          </a:lnRef>
+          <a:fillRef idx="0">
+            <a:schemeClr val="accent1"/>
+          </a:fillRef>
+          <a:effectRef idx="0">
+            <a:schemeClr val="accent1"/>
+          </a:effectRef>
+          <a:fontRef idx="minor">
+            <a:schemeClr val="tx1"/>
+          </a:fontRef>
+        </p:style>
+        <p:txBody>
+          <a:bodyPr rtlCol="0" anchor="ctr"/>
+          <a:lstStyle/>
+          <a:p>
+            <a:pPr algn="ctr"/>
+            <a:endParaRPr lang="en-SG" dirty="0">
+              <a:ln w="0"/>
+              <a:effectLst>
+                <a:outerShdw blurRad="38100" dist="19050" dir="2700000" algn="tl" rotWithShape="0">
+                  <a:schemeClr val="dk1">
+                    <a:alpha val="40000"/>
+                  </a:schemeClr>
+                </a:outerShdw>
+              </a:effectLst>
+            </a:endParaRPr>
+          </a:p>
+        </p:txBody>
+      </p:sp>
+      <p:sp>
+        <p:nvSpPr>
+          <p:cNvPr id="6" name="TextBox 5">
+            <a:extLst>
+              <a:ext uri="{FF2B5EF4-FFF2-40B4-BE49-F238E27FC236}">
+                <a16:creationId xmlns:a16="http://schemas.microsoft.com/office/drawing/2014/main" id="{7372FB48-A0AD-438B-B162-DEA1A5D37C31}"/>
+              </a:ext>
+            </a:extLst>
+          </p:cNvPr>
+          <p:cNvSpPr txBox="1"/>
+          <p:nvPr/>
+        </p:nvSpPr>
+        <p:spPr>
+          <a:xfrm>
+            <a:off x="244087" y="3133165"/>
+            <a:ext cx="853119" cy="369332"/>
+          </a:xfrm>
+          <a:prstGeom prst="rect">
+            <a:avLst/>
+          </a:prstGeom>
+          <a:noFill/>
+        </p:spPr>
+        <p:txBody>
+          <a:bodyPr wrap="none" rtlCol="0">
+            <a:spAutoFit/>
+          </a:bodyPr>
+          <a:lstStyle/>
+          <a:p>
+            <a:r>
+              <a:rPr lang="en-SG" dirty="0"/>
+              <a:t>Stage 1</a:t>
+            </a:r>
+          </a:p>
+        </p:txBody>
+      </p:sp>
+      <p:sp>
+        <p:nvSpPr>
+          <p:cNvPr id="7" name="Left Brace 6">
+            <a:extLst>
+              <a:ext uri="{FF2B5EF4-FFF2-40B4-BE49-F238E27FC236}">
+                <a16:creationId xmlns:a16="http://schemas.microsoft.com/office/drawing/2014/main" id="{F7245FFB-8AA0-4E83-8A1A-CB96906EE944}"/>
+              </a:ext>
+            </a:extLst>
+          </p:cNvPr>
+          <p:cNvSpPr/>
+          <p:nvPr/>
+        </p:nvSpPr>
+        <p:spPr>
+          <a:xfrm>
+            <a:off x="1169894" y="4067735"/>
+            <a:ext cx="228600" cy="295836"/>
+          </a:xfrm>
+          <a:prstGeom prst="leftBrace">
+            <a:avLst/>
+          </a:prstGeom>
+        </p:spPr>
+        <p:style>
+          <a:lnRef idx="1">
+            <a:schemeClr val="accent1"/>
+          </a:lnRef>
+          <a:fillRef idx="0">
+            <a:schemeClr val="accent1"/>
+          </a:fillRef>
+          <a:effectRef idx="0">
+            <a:schemeClr val="accent1"/>
+          </a:effectRef>
+          <a:fontRef idx="minor">
+            <a:schemeClr val="tx1"/>
+          </a:fontRef>
+        </p:style>
+        <p:txBody>
+          <a:bodyPr rtlCol="0" anchor="ctr"/>
+          <a:lstStyle/>
+          <a:p>
+            <a:pPr algn="ctr"/>
+            <a:endParaRPr lang="en-SG"/>
+          </a:p>
+        </p:txBody>
+      </p:sp>
+      <p:sp>
+        <p:nvSpPr>
+          <p:cNvPr id="9" name="TextBox 8">
+            <a:extLst>
+              <a:ext uri="{FF2B5EF4-FFF2-40B4-BE49-F238E27FC236}">
+                <a16:creationId xmlns:a16="http://schemas.microsoft.com/office/drawing/2014/main" id="{2E5BEDE6-1BCD-431F-A545-C12A7536B1C3}"/>
+              </a:ext>
+            </a:extLst>
+          </p:cNvPr>
+          <p:cNvSpPr txBox="1"/>
+          <p:nvPr/>
+        </p:nvSpPr>
+        <p:spPr>
+          <a:xfrm>
+            <a:off x="263690" y="3994239"/>
+            <a:ext cx="853119" cy="369332"/>
+          </a:xfrm>
+          <a:prstGeom prst="rect">
+            <a:avLst/>
+          </a:prstGeom>
+          <a:noFill/>
+        </p:spPr>
+        <p:txBody>
+          <a:bodyPr wrap="none" rtlCol="0">
+            <a:spAutoFit/>
+          </a:bodyPr>
+          <a:lstStyle/>
+          <a:p>
+            <a:r>
+              <a:rPr lang="en-SG" dirty="0"/>
+              <a:t>Stage 2</a:t>
+            </a:r>
+          </a:p>
+        </p:txBody>
+      </p:sp>
     </p:spTree>
     <p:extLst>
       <p:ext uri="{BB962C8B-B14F-4D97-AF65-F5344CB8AC3E}">
-        <p14:creationId xmlns:p14="http://schemas.microsoft.com/office/powerpoint/2010/main" val="3121871982"/>
+        <p14:creationId xmlns:p14="http://schemas.microsoft.com/office/powerpoint/2010/main" val="2031575006"/>
       </p:ext>
     </p:extLst>
   </p:cSld>
@@ -12307,17 +13039,17 @@
           <a:p>
             <a:r>
               <a:rPr lang="en-SG" dirty="0"/>
-              <a:t>Similarly, loss function also converges after ~200 epochs</a:t>
+              <a:t>Model stagnates around 0.79 accuracy, after ~350 epochs</a:t>
             </a:r>
           </a:p>
         </p:txBody>
       </p:sp>
       <p:pic>
         <p:nvPicPr>
-          <p:cNvPr id="5" name="Picture 4">
+          <p:cNvPr id="7" name="Picture 6">
             <a:extLst>
               <a:ext uri="{FF2B5EF4-FFF2-40B4-BE49-F238E27FC236}">
-                <a16:creationId xmlns:a16="http://schemas.microsoft.com/office/drawing/2014/main" id="{1E41C7A4-B4E5-4520-9B04-7E21F245F831}"/>
+                <a16:creationId xmlns:a16="http://schemas.microsoft.com/office/drawing/2014/main" id="{3709F3CB-5FC8-4CE2-B07D-F5123CEC14BD}"/>
               </a:ext>
             </a:extLst>
           </p:cNvPr>
@@ -12334,8 +13066,8 @@
         </p:blipFill>
         <p:spPr>
           <a:xfrm>
-            <a:off x="1451579" y="2089559"/>
-            <a:ext cx="5681294" cy="3439653"/>
+            <a:off x="1451579" y="2250274"/>
+            <a:ext cx="5399041" cy="3329982"/>
           </a:xfrm>
           <a:prstGeom prst="rect">
             <a:avLst/>
@@ -12345,7 +13077,7 @@
     </p:spTree>
     <p:extLst>
       <p:ext uri="{BB962C8B-B14F-4D97-AF65-F5344CB8AC3E}">
-        <p14:creationId xmlns:p14="http://schemas.microsoft.com/office/powerpoint/2010/main" val="1164026281"/>
+        <p14:creationId xmlns:p14="http://schemas.microsoft.com/office/powerpoint/2010/main" val="3121871982"/>
       </p:ext>
     </p:extLst>
   </p:cSld>
@@ -12377,7 +13109,7 @@
           <p:cNvPr id="2" name="Title 1">
             <a:extLst>
               <a:ext uri="{FF2B5EF4-FFF2-40B4-BE49-F238E27FC236}">
-                <a16:creationId xmlns:a16="http://schemas.microsoft.com/office/drawing/2014/main" id="{9978485D-1E08-4659-931E-FC0CA58076FD}"/>
+                <a16:creationId xmlns:a16="http://schemas.microsoft.com/office/drawing/2014/main" id="{6A3F6BC0-C3A5-4F75-ACA4-7A8D3D5E575E}"/>
               </a:ext>
             </a:extLst>
           </p:cNvPr>
@@ -12394,10 +13126,9 @@
           <a:lstStyle/>
           <a:p>
             <a:r>
-              <a:rPr lang="en-SG" cap="none"/>
+              <a:rPr lang="en-SG" cap="none" dirty="0"/>
               <a:t>Evaluation</a:t>
             </a:r>
-            <a:endParaRPr lang="en-SG" cap="none" dirty="0"/>
           </a:p>
         </p:txBody>
       </p:sp>
@@ -12406,7 +13137,7 @@
           <p:cNvPr id="3" name="Content Placeholder 2">
             <a:extLst>
               <a:ext uri="{FF2B5EF4-FFF2-40B4-BE49-F238E27FC236}">
-                <a16:creationId xmlns:a16="http://schemas.microsoft.com/office/drawing/2014/main" id="{EE1DB3B9-6B6E-4FE3-B8A9-15165D251024}"/>
+                <a16:creationId xmlns:a16="http://schemas.microsoft.com/office/drawing/2014/main" id="{C9B77E6C-9970-4C20-B498-F0F7412A8761}"/>
               </a:ext>
             </a:extLst>
           </p:cNvPr>
@@ -12419,8 +13150,8 @@
         </p:nvSpPr>
         <p:spPr>
           <a:xfrm>
-            <a:off x="7423484" y="2015732"/>
-            <a:ext cx="3631370" cy="3450613"/>
+            <a:off x="7226489" y="2089560"/>
+            <a:ext cx="4149087" cy="3439652"/>
           </a:xfrm>
         </p:spPr>
         <p:txBody>
@@ -12429,23 +13160,17 @@
           <a:p>
             <a:r>
               <a:rPr lang="en-SG" dirty="0"/>
-              <a:t>Model failed to pick up any of the covid-19 images</a:t>
-            </a:r>
-          </a:p>
-          <a:p>
-            <a:r>
-              <a:rPr lang="en-SG" dirty="0"/>
-              <a:t>Predicts most images as bacterial infections</a:t>
+              <a:t>Similarly, loss function also converges after ~350 epochs</a:t>
             </a:r>
           </a:p>
         </p:txBody>
       </p:sp>
       <p:pic>
         <p:nvPicPr>
-          <p:cNvPr id="5" name="Picture 4">
+          <p:cNvPr id="8" name="Picture 7">
             <a:extLst>
               <a:ext uri="{FF2B5EF4-FFF2-40B4-BE49-F238E27FC236}">
-                <a16:creationId xmlns:a16="http://schemas.microsoft.com/office/drawing/2014/main" id="{3565F6FE-3F0B-4A66-A4DE-FCC2D0F6EF18}"/>
+                <a16:creationId xmlns:a16="http://schemas.microsoft.com/office/drawing/2014/main" id="{7143DBFB-C3AC-4898-94AE-65DA7D16ED82}"/>
               </a:ext>
             </a:extLst>
           </p:cNvPr>
@@ -12462,38 +13187,8 @@
         </p:blipFill>
         <p:spPr>
           <a:xfrm>
-            <a:off x="1451579" y="1964766"/>
-            <a:ext cx="5460681" cy="3929495"/>
-          </a:xfrm>
-          <a:prstGeom prst="rect">
-            <a:avLst/>
-          </a:prstGeom>
-        </p:spPr>
-      </p:pic>
-      <p:pic>
-        <p:nvPicPr>
-          <p:cNvPr id="7" name="Picture 6">
-            <a:extLst>
-              <a:ext uri="{FF2B5EF4-FFF2-40B4-BE49-F238E27FC236}">
-                <a16:creationId xmlns:a16="http://schemas.microsoft.com/office/drawing/2014/main" id="{B268DBD6-B660-481F-B524-C27117B70CF7}"/>
-              </a:ext>
-            </a:extLst>
-          </p:cNvPr>
-          <p:cNvPicPr>
-            <a:picLocks noChangeAspect="1"/>
-          </p:cNvPicPr>
-          <p:nvPr/>
-        </p:nvPicPr>
-        <p:blipFill>
-          <a:blip r:embed="rId3"/>
-          <a:stretch>
-            <a:fillRect/>
-          </a:stretch>
-        </p:blipFill>
-        <p:spPr>
-          <a:xfrm>
-            <a:off x="7140662" y="4082550"/>
-            <a:ext cx="4197014" cy="1811711"/>
+            <a:off x="1451579" y="2162186"/>
+            <a:ext cx="5595490" cy="3439652"/>
           </a:xfrm>
           <a:prstGeom prst="rect">
             <a:avLst/>
@@ -12503,7 +13198,7 @@
     </p:spTree>
     <p:extLst>
       <p:ext uri="{BB962C8B-B14F-4D97-AF65-F5344CB8AC3E}">
-        <p14:creationId xmlns:p14="http://schemas.microsoft.com/office/powerpoint/2010/main" val="1877185895"/>
+        <p14:creationId xmlns:p14="http://schemas.microsoft.com/office/powerpoint/2010/main" val="1164026281"/>
       </p:ext>
     </p:extLst>
   </p:cSld>
@@ -13256,7 +13951,7 @@
           <p:cNvPr id="2" name="Title 1">
             <a:extLst>
               <a:ext uri="{FF2B5EF4-FFF2-40B4-BE49-F238E27FC236}">
-                <a16:creationId xmlns:a16="http://schemas.microsoft.com/office/drawing/2014/main" id="{9032FE2D-FD0A-46F3-AAF3-720DD0CCFB51}"/>
+                <a16:creationId xmlns:a16="http://schemas.microsoft.com/office/drawing/2014/main" id="{9978485D-1E08-4659-931E-FC0CA58076FD}"/>
               </a:ext>
             </a:extLst>
           </p:cNvPr>
@@ -13284,7 +13979,7 @@
           <p:cNvPr id="3" name="Content Placeholder 2">
             <a:extLst>
               <a:ext uri="{FF2B5EF4-FFF2-40B4-BE49-F238E27FC236}">
-                <a16:creationId xmlns:a16="http://schemas.microsoft.com/office/drawing/2014/main" id="{8A6ACCF1-8DBA-4A81-88B4-D52E546234CE}"/>
+                <a16:creationId xmlns:a16="http://schemas.microsoft.com/office/drawing/2014/main" id="{EE1DB3B9-6B6E-4FE3-B8A9-15165D251024}"/>
               </a:ext>
             </a:extLst>
           </p:cNvPr>
@@ -13297,22 +13992,93 @@
         </p:nvSpPr>
         <p:spPr>
           <a:xfrm>
-            <a:off x="7725335" y="2015732"/>
-            <a:ext cx="3329519" cy="3450613"/>
+            <a:off x="7133138" y="1992835"/>
+            <a:ext cx="3960422" cy="3070484"/>
           </a:xfrm>
         </p:spPr>
         <p:txBody>
-          <a:bodyPr/>
+          <a:bodyPr>
+            <a:normAutofit/>
+          </a:bodyPr>
           <a:lstStyle/>
           <a:p>
-            <a:endParaRPr lang="en-SG" dirty="0"/>
+            <a:r>
+              <a:rPr lang="en-SG" sz="1800" dirty="0"/>
+              <a:t>Model successfully picked up almost all covid-19 images with an 0.88 recall rate</a:t>
+            </a:r>
+          </a:p>
+          <a:p>
+            <a:r>
+              <a:rPr lang="en-SG" sz="1800" dirty="0"/>
+              <a:t>Was precise on normal predictions, but also missed many</a:t>
+            </a:r>
           </a:p>
         </p:txBody>
       </p:sp>
+      <p:pic>
+        <p:nvPicPr>
+          <p:cNvPr id="6" name="Picture 5">
+            <a:extLst>
+              <a:ext uri="{FF2B5EF4-FFF2-40B4-BE49-F238E27FC236}">
+                <a16:creationId xmlns:a16="http://schemas.microsoft.com/office/drawing/2014/main" id="{4F33C047-6CEB-45BE-8D15-F214313A1E51}"/>
+              </a:ext>
+            </a:extLst>
+          </p:cNvPr>
+          <p:cNvPicPr>
+            <a:picLocks noChangeAspect="1"/>
+          </p:cNvPicPr>
+          <p:nvPr/>
+        </p:nvPicPr>
+        <p:blipFill>
+          <a:blip r:embed="rId2"/>
+          <a:stretch>
+            <a:fillRect/>
+          </a:stretch>
+        </p:blipFill>
+        <p:spPr>
+          <a:xfrm>
+            <a:off x="1451579" y="1992834"/>
+            <a:ext cx="5140290" cy="3759698"/>
+          </a:xfrm>
+          <a:prstGeom prst="rect">
+            <a:avLst/>
+          </a:prstGeom>
+        </p:spPr>
+      </p:pic>
+      <p:pic>
+        <p:nvPicPr>
+          <p:cNvPr id="9" name="Picture 8">
+            <a:extLst>
+              <a:ext uri="{FF2B5EF4-FFF2-40B4-BE49-F238E27FC236}">
+                <a16:creationId xmlns:a16="http://schemas.microsoft.com/office/drawing/2014/main" id="{E7B6011E-BA53-40A1-94E4-87F2AE21537F}"/>
+              </a:ext>
+            </a:extLst>
+          </p:cNvPr>
+          <p:cNvPicPr>
+            <a:picLocks noChangeAspect="1"/>
+          </p:cNvPicPr>
+          <p:nvPr/>
+        </p:nvPicPr>
+        <p:blipFill>
+          <a:blip r:embed="rId3"/>
+          <a:stretch>
+            <a:fillRect/>
+          </a:stretch>
+        </p:blipFill>
+        <p:spPr>
+          <a:xfrm>
+            <a:off x="6886801" y="4052687"/>
+            <a:ext cx="4206759" cy="1699845"/>
+          </a:xfrm>
+          <a:prstGeom prst="rect">
+            <a:avLst/>
+          </a:prstGeom>
+        </p:spPr>
+      </p:pic>
     </p:spTree>
     <p:extLst>
       <p:ext uri="{BB962C8B-B14F-4D97-AF65-F5344CB8AC3E}">
-        <p14:creationId xmlns:p14="http://schemas.microsoft.com/office/powerpoint/2010/main" val="2444551862"/>
+        <p14:creationId xmlns:p14="http://schemas.microsoft.com/office/powerpoint/2010/main" val="1877185895"/>
       </p:ext>
     </p:extLst>
   </p:cSld>
@@ -13323,6 +14089,271 @@
 </file>
 
 <file path=ppt/slides/slide21.xml><?xml version="1.0" encoding="utf-8"?>
+<p:sld xmlns:a="http://schemas.openxmlformats.org/drawingml/2006/main" xmlns:r="http://schemas.openxmlformats.org/officeDocument/2006/relationships" xmlns:p="http://schemas.openxmlformats.org/presentationml/2006/main">
+  <p:cSld>
+    <p:spTree>
+      <p:nvGrpSpPr>
+        <p:cNvPr id="1" name=""/>
+        <p:cNvGrpSpPr/>
+        <p:nvPr/>
+      </p:nvGrpSpPr>
+      <p:grpSpPr>
+        <a:xfrm>
+          <a:off x="0" y="0"/>
+          <a:ext cx="0" cy="0"/>
+          <a:chOff x="0" y="0"/>
+          <a:chExt cx="0" cy="0"/>
+        </a:xfrm>
+      </p:grpSpPr>
+      <p:sp>
+        <p:nvSpPr>
+          <p:cNvPr id="2" name="Title 1">
+            <a:extLst>
+              <a:ext uri="{FF2B5EF4-FFF2-40B4-BE49-F238E27FC236}">
+                <a16:creationId xmlns:a16="http://schemas.microsoft.com/office/drawing/2014/main" id="{9978485D-1E08-4659-931E-FC0CA58076FD}"/>
+              </a:ext>
+            </a:extLst>
+          </p:cNvPr>
+          <p:cNvSpPr>
+            <a:spLocks noGrp="1"/>
+          </p:cNvSpPr>
+          <p:nvPr>
+            <p:ph type="title"/>
+          </p:nvPr>
+        </p:nvSpPr>
+        <p:spPr/>
+        <p:txBody>
+          <a:bodyPr/>
+          <a:lstStyle/>
+          <a:p>
+            <a:r>
+              <a:rPr lang="en-SG" cap="none" dirty="0"/>
+              <a:t>Evaluation</a:t>
+            </a:r>
+          </a:p>
+        </p:txBody>
+      </p:sp>
+      <p:sp>
+        <p:nvSpPr>
+          <p:cNvPr id="3" name="Content Placeholder 2">
+            <a:extLst>
+              <a:ext uri="{FF2B5EF4-FFF2-40B4-BE49-F238E27FC236}">
+                <a16:creationId xmlns:a16="http://schemas.microsoft.com/office/drawing/2014/main" id="{EE1DB3B9-6B6E-4FE3-B8A9-15165D251024}"/>
+              </a:ext>
+            </a:extLst>
+          </p:cNvPr>
+          <p:cNvSpPr>
+            <a:spLocks noGrp="1"/>
+          </p:cNvSpPr>
+          <p:nvPr>
+            <p:ph idx="1"/>
+          </p:nvPr>
+        </p:nvSpPr>
+        <p:spPr>
+          <a:xfrm>
+            <a:off x="7133138" y="1992835"/>
+            <a:ext cx="3960422" cy="3070484"/>
+          </a:xfrm>
+        </p:spPr>
+        <p:txBody>
+          <a:bodyPr>
+            <a:normAutofit/>
+          </a:bodyPr>
+          <a:lstStyle/>
+          <a:p>
+            <a:r>
+              <a:rPr lang="en-SG" sz="1800" dirty="0"/>
+              <a:t>Model frequently identified viral (non-</a:t>
+            </a:r>
+            <a:r>
+              <a:rPr lang="en-SG" sz="1800" dirty="0" err="1"/>
+              <a:t>covid</a:t>
+            </a:r>
+            <a:r>
+              <a:rPr lang="en-SG" sz="1800" dirty="0"/>
+              <a:t>) infections as normal</a:t>
+            </a:r>
+          </a:p>
+          <a:p>
+            <a:r>
+              <a:rPr lang="en-SG" sz="1800" dirty="0"/>
+              <a:t>Extremely high recall rate for bacterial infections</a:t>
+            </a:r>
+          </a:p>
+        </p:txBody>
+      </p:sp>
+      <p:pic>
+        <p:nvPicPr>
+          <p:cNvPr id="6" name="Picture 5">
+            <a:extLst>
+              <a:ext uri="{FF2B5EF4-FFF2-40B4-BE49-F238E27FC236}">
+                <a16:creationId xmlns:a16="http://schemas.microsoft.com/office/drawing/2014/main" id="{4F33C047-6CEB-45BE-8D15-F214313A1E51}"/>
+              </a:ext>
+            </a:extLst>
+          </p:cNvPr>
+          <p:cNvPicPr>
+            <a:picLocks noChangeAspect="1"/>
+          </p:cNvPicPr>
+          <p:nvPr/>
+        </p:nvPicPr>
+        <p:blipFill>
+          <a:blip r:embed="rId2"/>
+          <a:stretch>
+            <a:fillRect/>
+          </a:stretch>
+        </p:blipFill>
+        <p:spPr>
+          <a:xfrm>
+            <a:off x="1451579" y="1992834"/>
+            <a:ext cx="5140290" cy="3759698"/>
+          </a:xfrm>
+          <a:prstGeom prst="rect">
+            <a:avLst/>
+          </a:prstGeom>
+        </p:spPr>
+      </p:pic>
+      <p:pic>
+        <p:nvPicPr>
+          <p:cNvPr id="9" name="Picture 8">
+            <a:extLst>
+              <a:ext uri="{FF2B5EF4-FFF2-40B4-BE49-F238E27FC236}">
+                <a16:creationId xmlns:a16="http://schemas.microsoft.com/office/drawing/2014/main" id="{E7B6011E-BA53-40A1-94E4-87F2AE21537F}"/>
+              </a:ext>
+            </a:extLst>
+          </p:cNvPr>
+          <p:cNvPicPr>
+            <a:picLocks noChangeAspect="1"/>
+          </p:cNvPicPr>
+          <p:nvPr/>
+        </p:nvPicPr>
+        <p:blipFill>
+          <a:blip r:embed="rId3"/>
+          <a:stretch>
+            <a:fillRect/>
+          </a:stretch>
+        </p:blipFill>
+        <p:spPr>
+          <a:xfrm>
+            <a:off x="6886801" y="4052687"/>
+            <a:ext cx="4206759" cy="1699845"/>
+          </a:xfrm>
+          <a:prstGeom prst="rect">
+            <a:avLst/>
+          </a:prstGeom>
+        </p:spPr>
+      </p:pic>
+    </p:spTree>
+    <p:extLst>
+      <p:ext uri="{BB962C8B-B14F-4D97-AF65-F5344CB8AC3E}">
+        <p14:creationId xmlns:p14="http://schemas.microsoft.com/office/powerpoint/2010/main" val="3481942153"/>
+      </p:ext>
+    </p:extLst>
+  </p:cSld>
+  <p:clrMapOvr>
+    <a:masterClrMapping/>
+  </p:clrMapOvr>
+</p:sld>
+</file>
+
+<file path=ppt/slides/slide22.xml><?xml version="1.0" encoding="utf-8"?>
+<p:sld xmlns:a="http://schemas.openxmlformats.org/drawingml/2006/main" xmlns:r="http://schemas.openxmlformats.org/officeDocument/2006/relationships" xmlns:p="http://schemas.openxmlformats.org/presentationml/2006/main">
+  <p:cSld>
+    <p:spTree>
+      <p:nvGrpSpPr>
+        <p:cNvPr id="1" name=""/>
+        <p:cNvGrpSpPr/>
+        <p:nvPr/>
+      </p:nvGrpSpPr>
+      <p:grpSpPr>
+        <a:xfrm>
+          <a:off x="0" y="0"/>
+          <a:ext cx="0" cy="0"/>
+          <a:chOff x="0" y="0"/>
+          <a:chExt cx="0" cy="0"/>
+        </a:xfrm>
+      </p:grpSpPr>
+      <p:sp>
+        <p:nvSpPr>
+          <p:cNvPr id="2" name="Title 1">
+            <a:extLst>
+              <a:ext uri="{FF2B5EF4-FFF2-40B4-BE49-F238E27FC236}">
+                <a16:creationId xmlns:a16="http://schemas.microsoft.com/office/drawing/2014/main" id="{87A7ECCC-0A4B-4CE9-9D87-50A347EAB565}"/>
+              </a:ext>
+            </a:extLst>
+          </p:cNvPr>
+          <p:cNvSpPr>
+            <a:spLocks noGrp="1"/>
+          </p:cNvSpPr>
+          <p:nvPr>
+            <p:ph type="title"/>
+          </p:nvPr>
+        </p:nvSpPr>
+        <p:spPr/>
+        <p:txBody>
+          <a:bodyPr/>
+          <a:lstStyle/>
+          <a:p>
+            <a:r>
+              <a:rPr lang="en-SG" cap="none" dirty="0"/>
+              <a:t>Practical use</a:t>
+            </a:r>
+          </a:p>
+        </p:txBody>
+      </p:sp>
+      <p:sp>
+        <p:nvSpPr>
+          <p:cNvPr id="3" name="Content Placeholder 2">
+            <a:extLst>
+              <a:ext uri="{FF2B5EF4-FFF2-40B4-BE49-F238E27FC236}">
+                <a16:creationId xmlns:a16="http://schemas.microsoft.com/office/drawing/2014/main" id="{D2903985-1BD6-4ADA-BF87-0FA8658FED50}"/>
+              </a:ext>
+            </a:extLst>
+          </p:cNvPr>
+          <p:cNvSpPr>
+            <a:spLocks noGrp="1"/>
+          </p:cNvSpPr>
+          <p:nvPr>
+            <p:ph idx="1"/>
+          </p:nvPr>
+        </p:nvSpPr>
+        <p:spPr/>
+        <p:txBody>
+          <a:bodyPr/>
+          <a:lstStyle/>
+          <a:p>
+            <a:r>
+              <a:rPr lang="en-SG" dirty="0"/>
+              <a:t>Since the recall rate is high for Covid-19 images but precision is low, a high false positive rate should be expected in practical settings</a:t>
+            </a:r>
+          </a:p>
+          <a:p>
+            <a:r>
+              <a:rPr lang="en-SG" dirty="0"/>
+              <a:t>The recall rate for healthy patients is decent at 0.93, so model can be used as a supplementary tool to detect if patients have recovered </a:t>
+            </a:r>
+          </a:p>
+          <a:p>
+            <a:r>
+              <a:rPr lang="en-SG" dirty="0"/>
+              <a:t>The model also never misinterpreted a bacterial infection as a Covid-19 infection and vice versa. It could be a reliable tool for separating bacterial pneumonia cases from coronavirus cases. </a:t>
+            </a:r>
+          </a:p>
+        </p:txBody>
+      </p:sp>
+    </p:spTree>
+    <p:extLst>
+      <p:ext uri="{BB962C8B-B14F-4D97-AF65-F5344CB8AC3E}">
+        <p14:creationId xmlns:p14="http://schemas.microsoft.com/office/powerpoint/2010/main" val="616031944"/>
+      </p:ext>
+    </p:extLst>
+  </p:cSld>
+  <p:clrMapOvr>
+    <a:masterClrMapping/>
+  </p:clrMapOvr>
+</p:sld>
+</file>
+
+<file path=ppt/slides/slide23.xml><?xml version="1.0" encoding="utf-8"?>
 <p:sld xmlns:a="http://schemas.openxmlformats.org/drawingml/2006/main" xmlns:r="http://schemas.openxmlformats.org/officeDocument/2006/relationships" xmlns:p="http://schemas.openxmlformats.org/presentationml/2006/main">
   <p:cSld>
     <p:spTree>
@@ -13362,7 +14393,7 @@
           <a:p>
             <a:r>
               <a:rPr lang="en-SG" cap="none" dirty="0"/>
-              <a:t>Weaknesses</a:t>
+              <a:t>Weaknesses / Future improvements</a:t>
             </a:r>
           </a:p>
         </p:txBody>
@@ -13390,19 +14421,21 @@
           <a:p>
             <a:r>
               <a:rPr lang="en-SG" dirty="0"/>
-              <a:t>Imbalanced dataset difficult to overcome</a:t>
+              <a:t>Adjustments in class weights can be made to prevent misidentification of viral (non-</a:t>
+            </a:r>
+            <a:r>
+              <a:rPr lang="en-SG" dirty="0" err="1"/>
+              <a:t>covid</a:t>
+            </a:r>
+            <a:r>
+              <a:rPr lang="en-SG" dirty="0"/>
+              <a:t>) images as healthy images</a:t>
             </a:r>
           </a:p>
           <a:p>
             <a:r>
               <a:rPr lang="en-SG" dirty="0"/>
               <a:t>No data on the length of covid-19 infection; clouding (infected tissue) may be more visible on patients who have been infected for a longer period of time</a:t>
-            </a:r>
-          </a:p>
-          <a:p>
-            <a:r>
-              <a:rPr lang="en-SG" dirty="0"/>
-              <a:t>Very difficult for model to differentiate between bacterial and viral infections</a:t>
             </a:r>
           </a:p>
         </p:txBody>

--- a/Identifying Covid-19 patients from Chest X-Rays.pptx
+++ b/Identifying Covid-19 patients from Chest X-Rays.pptx
@@ -5,7 +5,7 @@
     <p:sldMasterId id="2147483648" r:id="rId1"/>
   </p:sldMasterIdLst>
   <p:notesMasterIdLst>
-    <p:notesMasterId r:id="rId25"/>
+    <p:notesMasterId r:id="rId26"/>
   </p:notesMasterIdLst>
   <p:sldIdLst>
     <p:sldId id="256" r:id="rId2"/>
@@ -31,6 +31,7 @@
     <p:sldId id="279" r:id="rId22"/>
     <p:sldId id="280" r:id="rId23"/>
     <p:sldId id="276" r:id="rId24"/>
+    <p:sldId id="281" r:id="rId25"/>
   </p:sldIdLst>
   <p:sldSz cx="12192000" cy="6858000"/>
   <p:notesSz cx="6858000" cy="9144000"/>
@@ -6168,7 +6169,7 @@
           <a:p>
             <a:fld id="{027FBAD7-3B6B-4076-AB20-874DA6FB7435}" type="datetimeFigureOut">
               <a:rPr lang="en-SG" smtClean="0"/>
-              <a:t>27 Nov 2020</a:t>
+              <a:t>29 Nov 2020</a:t>
             </a:fld>
             <a:endParaRPr lang="en-SG"/>
           </a:p>
@@ -6770,7 +6771,7 @@
           <a:p>
             <a:fld id="{48A87A34-81AB-432B-8DAE-1953F412C126}" type="datetimeFigureOut">
               <a:rPr lang="en-US" dirty="0"/>
-              <a:t>11/27/2020</a:t>
+              <a:t>11/29/2020</a:t>
             </a:fld>
             <a:endParaRPr lang="en-US" dirty="0"/>
           </a:p>
@@ -6976,7 +6977,7 @@
           <a:p>
             <a:fld id="{48A87A34-81AB-432B-8DAE-1953F412C126}" type="datetimeFigureOut">
               <a:rPr lang="en-US" dirty="0"/>
-              <a:t>11/27/2020</a:t>
+              <a:t>11/29/2020</a:t>
             </a:fld>
             <a:endParaRPr lang="en-US" dirty="0"/>
           </a:p>
@@ -7186,7 +7187,7 @@
           <a:p>
             <a:fld id="{48A87A34-81AB-432B-8DAE-1953F412C126}" type="datetimeFigureOut">
               <a:rPr lang="en-US" dirty="0"/>
-              <a:t>11/27/2020</a:t>
+              <a:t>11/29/2020</a:t>
             </a:fld>
             <a:endParaRPr lang="en-US" dirty="0"/>
           </a:p>
@@ -7382,7 +7383,7 @@
           <a:p>
             <a:fld id="{48A87A34-81AB-432B-8DAE-1953F412C126}" type="datetimeFigureOut">
               <a:rPr lang="en-US" dirty="0"/>
-              <a:t>11/27/2020</a:t>
+              <a:t>11/29/2020</a:t>
             </a:fld>
             <a:endParaRPr lang="en-US" dirty="0"/>
           </a:p>
@@ -7656,7 +7657,7 @@
           <a:p>
             <a:fld id="{48A87A34-81AB-432B-8DAE-1953F412C126}" type="datetimeFigureOut">
               <a:rPr lang="en-US" dirty="0"/>
-              <a:t>11/27/2020</a:t>
+              <a:t>11/29/2020</a:t>
             </a:fld>
             <a:endParaRPr lang="en-US" dirty="0"/>
           </a:p>
@@ -7919,7 +7920,7 @@
           <a:p>
             <a:fld id="{48A87A34-81AB-432B-8DAE-1953F412C126}" type="datetimeFigureOut">
               <a:rPr lang="en-US" dirty="0"/>
-              <a:t>11/27/2020</a:t>
+              <a:t>11/29/2020</a:t>
             </a:fld>
             <a:endParaRPr lang="en-US" dirty="0"/>
           </a:p>
@@ -8330,7 +8331,7 @@
           <a:p>
             <a:fld id="{48A87A34-81AB-432B-8DAE-1953F412C126}" type="datetimeFigureOut">
               <a:rPr lang="en-US" dirty="0"/>
-              <a:t>11/27/2020</a:t>
+              <a:t>11/29/2020</a:t>
             </a:fld>
             <a:endParaRPr lang="en-US" dirty="0"/>
           </a:p>
@@ -8474,7 +8475,7 @@
           <a:p>
             <a:fld id="{48A87A34-81AB-432B-8DAE-1953F412C126}" type="datetimeFigureOut">
               <a:rPr lang="en-US" dirty="0"/>
-              <a:t>11/27/2020</a:t>
+              <a:t>11/29/2020</a:t>
             </a:fld>
             <a:endParaRPr lang="en-US" dirty="0"/>
           </a:p>
@@ -8595,7 +8596,7 @@
           <a:p>
             <a:fld id="{48A87A34-81AB-432B-8DAE-1953F412C126}" type="datetimeFigureOut">
               <a:rPr lang="en-US" dirty="0"/>
-              <a:t>11/27/2020</a:t>
+              <a:t>11/29/2020</a:t>
             </a:fld>
             <a:endParaRPr lang="en-US" dirty="0"/>
           </a:p>
@@ -8841,7 +8842,7 @@
           <a:p>
             <a:fld id="{48A87A34-81AB-432B-8DAE-1953F412C126}" type="datetimeFigureOut">
               <a:rPr lang="en-US" dirty="0"/>
-              <a:t>11/27/2020</a:t>
+              <a:t>11/29/2020</a:t>
             </a:fld>
             <a:endParaRPr lang="en-US" dirty="0"/>
           </a:p>
@@ -9282,7 +9283,7 @@
             <a:fld id="{48A87A34-81AB-432B-8DAE-1953F412C126}" type="datetimeFigureOut">
               <a:rPr lang="en-US" dirty="0"/>
               <a:pPr/>
-              <a:t>11/27/2020</a:t>
+              <a:t>11/29/2020</a:t>
             </a:fld>
             <a:endParaRPr lang="en-US" dirty="0"/>
           </a:p>
@@ -9605,7 +9606,7 @@
             <a:fld id="{48A87A34-81AB-432B-8DAE-1953F412C126}" type="datetimeFigureOut">
               <a:rPr lang="en-US" dirty="0"/>
               <a:pPr/>
-              <a:t>11/27/2020</a:t>
+              <a:t>11/29/2020</a:t>
             </a:fld>
             <a:endParaRPr lang="en-US" dirty="0"/>
           </a:p>
@@ -14323,7 +14324,7 @@
           <a:p>
             <a:r>
               <a:rPr lang="en-SG" dirty="0"/>
-              <a:t>Since the recall rate is high for Covid-19 images but precision is low, a high false positive rate should be expected in practical settings</a:t>
+              <a:t>Since the recall rate is high for Covid-19 images but precision is low, a high false positive rate should be expected in practical settings. This is probably due to the much higher class weight assigned to the Covid-19 labels during training.</a:t>
             </a:r>
           </a:p>
           <a:p>
@@ -14444,6 +14445,69 @@
     <p:extLst>
       <p:ext uri="{BB962C8B-B14F-4D97-AF65-F5344CB8AC3E}">
         <p14:creationId xmlns:p14="http://schemas.microsoft.com/office/powerpoint/2010/main" val="3840672963"/>
+      </p:ext>
+    </p:extLst>
+  </p:cSld>
+  <p:clrMapOvr>
+    <a:masterClrMapping/>
+  </p:clrMapOvr>
+</p:sld>
+</file>
+
+<file path=ppt/slides/slide24.xml><?xml version="1.0" encoding="utf-8"?>
+<p:sld xmlns:a="http://schemas.openxmlformats.org/drawingml/2006/main" xmlns:r="http://schemas.openxmlformats.org/officeDocument/2006/relationships" xmlns:p="http://schemas.openxmlformats.org/presentationml/2006/main">
+  <p:cSld>
+    <p:spTree>
+      <p:nvGrpSpPr>
+        <p:cNvPr id="1" name=""/>
+        <p:cNvGrpSpPr/>
+        <p:nvPr/>
+      </p:nvGrpSpPr>
+      <p:grpSpPr>
+        <a:xfrm>
+          <a:off x="0" y="0"/>
+          <a:ext cx="0" cy="0"/>
+          <a:chOff x="0" y="0"/>
+          <a:chExt cx="0" cy="0"/>
+        </a:xfrm>
+      </p:grpSpPr>
+      <p:sp>
+        <p:nvSpPr>
+          <p:cNvPr id="2" name="Title 1">
+            <a:extLst>
+              <a:ext uri="{FF2B5EF4-FFF2-40B4-BE49-F238E27FC236}">
+                <a16:creationId xmlns:a16="http://schemas.microsoft.com/office/drawing/2014/main" id="{A07270C9-CCEA-4E61-B303-E9685A5B9697}"/>
+              </a:ext>
+            </a:extLst>
+          </p:cNvPr>
+          <p:cNvSpPr>
+            <a:spLocks noGrp="1"/>
+          </p:cNvSpPr>
+          <p:nvPr>
+            <p:ph type="title"/>
+          </p:nvPr>
+        </p:nvSpPr>
+        <p:spPr>
+          <a:xfrm>
+            <a:off x="5566061" y="3203812"/>
+            <a:ext cx="1059877" cy="1049235"/>
+          </a:xfrm>
+        </p:spPr>
+        <p:txBody>
+          <a:bodyPr/>
+          <a:lstStyle/>
+          <a:p>
+            <a:r>
+              <a:rPr lang="en-SG" dirty="0"/>
+              <a:t>end</a:t>
+            </a:r>
+          </a:p>
+        </p:txBody>
+      </p:sp>
+    </p:spTree>
+    <p:extLst>
+      <p:ext uri="{BB962C8B-B14F-4D97-AF65-F5344CB8AC3E}">
+        <p14:creationId xmlns:p14="http://schemas.microsoft.com/office/powerpoint/2010/main" val="491642482"/>
       </p:ext>
     </p:extLst>
   </p:cSld>
